--- a/CITEseq_Covid/pp_CITEseq.pptx
+++ b/CITEseq_Covid/pp_CITEseq.pptx
@@ -12,9 +12,11 @@
     <p:sldId id="261" r:id="rId6"/>
     <p:sldId id="259" r:id="rId7"/>
     <p:sldId id="258" r:id="rId8"/>
-    <p:sldId id="263" r:id="rId9"/>
-    <p:sldId id="265" r:id="rId10"/>
-    <p:sldId id="266" r:id="rId11"/>
+    <p:sldId id="267" r:id="rId9"/>
+    <p:sldId id="263" r:id="rId10"/>
+    <p:sldId id="265" r:id="rId11"/>
+    <p:sldId id="268" r:id="rId12"/>
+    <p:sldId id="266" r:id="rId13"/>
   </p:sldIdLst>
   <p:sldSz cx="12192000" cy="6858000"/>
   <p:notesSz cx="6858000" cy="9144000"/>
@@ -268,7 +270,7 @@
           <a:p>
             <a:fld id="{BC5DD86B-63DD-41DD-8D04-C864B2C8B0B8}" type="datetimeFigureOut">
               <a:rPr lang="de-DE" smtClean="0"/>
-              <a:t>12.04.2023</a:t>
+              <a:t>13.04.2023</a:t>
             </a:fld>
             <a:endParaRPr lang="de-DE"/>
           </a:p>
@@ -466,7 +468,7 @@
           <a:p>
             <a:fld id="{BC5DD86B-63DD-41DD-8D04-C864B2C8B0B8}" type="datetimeFigureOut">
               <a:rPr lang="de-DE" smtClean="0"/>
-              <a:t>12.04.2023</a:t>
+              <a:t>13.04.2023</a:t>
             </a:fld>
             <a:endParaRPr lang="de-DE"/>
           </a:p>
@@ -674,7 +676,7 @@
           <a:p>
             <a:fld id="{BC5DD86B-63DD-41DD-8D04-C864B2C8B0B8}" type="datetimeFigureOut">
               <a:rPr lang="de-DE" smtClean="0"/>
-              <a:t>12.04.2023</a:t>
+              <a:t>13.04.2023</a:t>
             </a:fld>
             <a:endParaRPr lang="de-DE"/>
           </a:p>
@@ -872,7 +874,7 @@
           <a:p>
             <a:fld id="{BC5DD86B-63DD-41DD-8D04-C864B2C8B0B8}" type="datetimeFigureOut">
               <a:rPr lang="de-DE" smtClean="0"/>
-              <a:t>12.04.2023</a:t>
+              <a:t>13.04.2023</a:t>
             </a:fld>
             <a:endParaRPr lang="de-DE"/>
           </a:p>
@@ -1147,7 +1149,7 @@
           <a:p>
             <a:fld id="{BC5DD86B-63DD-41DD-8D04-C864B2C8B0B8}" type="datetimeFigureOut">
               <a:rPr lang="de-DE" smtClean="0"/>
-              <a:t>12.04.2023</a:t>
+              <a:t>13.04.2023</a:t>
             </a:fld>
             <a:endParaRPr lang="de-DE"/>
           </a:p>
@@ -1412,7 +1414,7 @@
           <a:p>
             <a:fld id="{BC5DD86B-63DD-41DD-8D04-C864B2C8B0B8}" type="datetimeFigureOut">
               <a:rPr lang="de-DE" smtClean="0"/>
-              <a:t>12.04.2023</a:t>
+              <a:t>13.04.2023</a:t>
             </a:fld>
             <a:endParaRPr lang="de-DE"/>
           </a:p>
@@ -1824,7 +1826,7 @@
           <a:p>
             <a:fld id="{BC5DD86B-63DD-41DD-8D04-C864B2C8B0B8}" type="datetimeFigureOut">
               <a:rPr lang="de-DE" smtClean="0"/>
-              <a:t>12.04.2023</a:t>
+              <a:t>13.04.2023</a:t>
             </a:fld>
             <a:endParaRPr lang="de-DE"/>
           </a:p>
@@ -1965,7 +1967,7 @@
           <a:p>
             <a:fld id="{BC5DD86B-63DD-41DD-8D04-C864B2C8B0B8}" type="datetimeFigureOut">
               <a:rPr lang="de-DE" smtClean="0"/>
-              <a:t>12.04.2023</a:t>
+              <a:t>13.04.2023</a:t>
             </a:fld>
             <a:endParaRPr lang="de-DE"/>
           </a:p>
@@ -2078,7 +2080,7 @@
           <a:p>
             <a:fld id="{BC5DD86B-63DD-41DD-8D04-C864B2C8B0B8}" type="datetimeFigureOut">
               <a:rPr lang="de-DE" smtClean="0"/>
-              <a:t>12.04.2023</a:t>
+              <a:t>13.04.2023</a:t>
             </a:fld>
             <a:endParaRPr lang="de-DE"/>
           </a:p>
@@ -2389,7 +2391,7 @@
           <a:p>
             <a:fld id="{BC5DD86B-63DD-41DD-8D04-C864B2C8B0B8}" type="datetimeFigureOut">
               <a:rPr lang="de-DE" smtClean="0"/>
-              <a:t>12.04.2023</a:t>
+              <a:t>13.04.2023</a:t>
             </a:fld>
             <a:endParaRPr lang="de-DE"/>
           </a:p>
@@ -2677,7 +2679,7 @@
           <a:p>
             <a:fld id="{BC5DD86B-63DD-41DD-8D04-C864B2C8B0B8}" type="datetimeFigureOut">
               <a:rPr lang="de-DE" smtClean="0"/>
-              <a:t>12.04.2023</a:t>
+              <a:t>13.04.2023</a:t>
             </a:fld>
             <a:endParaRPr lang="de-DE"/>
           </a:p>
@@ -2918,7 +2920,7 @@
           <a:p>
             <a:fld id="{BC5DD86B-63DD-41DD-8D04-C864B2C8B0B8}" type="datetimeFigureOut">
               <a:rPr lang="de-DE" smtClean="0"/>
-              <a:t>12.04.2023</a:t>
+              <a:t>13.04.2023</a:t>
             </a:fld>
             <a:endParaRPr lang="de-DE"/>
           </a:p>
@@ -3403,10 +3405,10 @@
       </p:grpSpPr>
       <p:pic>
         <p:nvPicPr>
-          <p:cNvPr id="5" name="Grafik 4" descr="Ein Bild, das Diagramm enthält.&#10;&#10;Automatisch generierte Beschreibung">
-            <a:extLst>
-              <a:ext uri="{FF2B5EF4-FFF2-40B4-BE49-F238E27FC236}">
-                <a16:creationId xmlns:a16="http://schemas.microsoft.com/office/drawing/2014/main" id="{81555C40-3CA3-E936-73B0-26FA756DC339}"/>
+          <p:cNvPr id="4" name="Grafik 3" descr="Ein Bild, das Diagramm enthält.&#10;&#10;Automatisch generierte Beschreibung">
+            <a:extLst>
+              <a:ext uri="{FF2B5EF4-FFF2-40B4-BE49-F238E27FC236}">
+                <a16:creationId xmlns:a16="http://schemas.microsoft.com/office/drawing/2014/main" id="{EDD04CD5-C80B-B68B-2EDD-EB4B7AAA522F}"/>
               </a:ext>
             </a:extLst>
           </p:cNvPr>
@@ -3415,7 +3417,7 @@
           </p:cNvPicPr>
           <p:nvPr/>
         </p:nvPicPr>
-        <p:blipFill rotWithShape="1">
+        <p:blipFill>
           <a:blip r:embed="rId2">
             <a:extLst>
               <a:ext uri="{28A0092B-C50C-407E-A947-70E740481C1C}">
@@ -3423,25 +3425,242 @@
               </a:ext>
             </a:extLst>
           </a:blip>
-          <a:srcRect l="25167" t="25127" r="37709" b="16557"/>
-          <a:stretch/>
+          <a:stretch>
+            <a:fillRect/>
+          </a:stretch>
         </p:blipFill>
         <p:spPr>
           <a:xfrm>
-            <a:off x="1346200" y="1320801"/>
-            <a:ext cx="4090720" cy="3530599"/>
+            <a:off x="648601" y="900702"/>
+            <a:ext cx="2286346" cy="1708744"/>
           </a:xfrm>
           <a:prstGeom prst="rect">
             <a:avLst/>
           </a:prstGeom>
         </p:spPr>
       </p:pic>
-      <p:sp>
-        <p:nvSpPr>
-          <p:cNvPr id="6" name="Textfeld 5">
-            <a:extLst>
-              <a:ext uri="{FF2B5EF4-FFF2-40B4-BE49-F238E27FC236}">
-                <a16:creationId xmlns:a16="http://schemas.microsoft.com/office/drawing/2014/main" id="{B3AD419D-EB67-5165-F0A7-14868CBFEA51}"/>
+      <p:pic>
+        <p:nvPicPr>
+          <p:cNvPr id="5" name="Grafik 4" descr="Ein Bild, das Diagramm enthält.&#10;&#10;Automatisch generierte Beschreibung">
+            <a:extLst>
+              <a:ext uri="{FF2B5EF4-FFF2-40B4-BE49-F238E27FC236}">
+                <a16:creationId xmlns:a16="http://schemas.microsoft.com/office/drawing/2014/main" id="{449A1A23-A6BF-90EC-FFFF-3473A138820F}"/>
+              </a:ext>
+            </a:extLst>
+          </p:cNvPr>
+          <p:cNvPicPr>
+            <a:picLocks noChangeAspect="1"/>
+          </p:cNvPicPr>
+          <p:nvPr/>
+        </p:nvPicPr>
+        <p:blipFill>
+          <a:blip r:embed="rId3">
+            <a:extLst>
+              <a:ext uri="{28A0092B-C50C-407E-A947-70E740481C1C}">
+                <a14:useLocalDpi xmlns:a14="http://schemas.microsoft.com/office/drawing/2010/main" val="0"/>
+              </a:ext>
+            </a:extLst>
+          </a:blip>
+          <a:stretch>
+            <a:fillRect/>
+          </a:stretch>
+        </p:blipFill>
+        <p:spPr>
+          <a:xfrm>
+            <a:off x="3119759" y="931628"/>
+            <a:ext cx="2322448" cy="1708744"/>
+          </a:xfrm>
+          <a:prstGeom prst="rect">
+            <a:avLst/>
+          </a:prstGeom>
+        </p:spPr>
+      </p:pic>
+      <p:pic>
+        <p:nvPicPr>
+          <p:cNvPr id="6" name="Grafik 5" descr="Ein Bild, das Diagramm enthält.&#10;&#10;Automatisch generierte Beschreibung">
+            <a:extLst>
+              <a:ext uri="{FF2B5EF4-FFF2-40B4-BE49-F238E27FC236}">
+                <a16:creationId xmlns:a16="http://schemas.microsoft.com/office/drawing/2014/main" id="{51343E4C-25B9-EC2D-0DE5-BE81D4F08DE4}"/>
+              </a:ext>
+            </a:extLst>
+          </p:cNvPr>
+          <p:cNvPicPr>
+            <a:picLocks noChangeAspect="1"/>
+          </p:cNvPicPr>
+          <p:nvPr/>
+        </p:nvPicPr>
+        <p:blipFill>
+          <a:blip r:embed="rId4">
+            <a:extLst>
+              <a:ext uri="{28A0092B-C50C-407E-A947-70E740481C1C}">
+                <a14:useLocalDpi xmlns:a14="http://schemas.microsoft.com/office/drawing/2010/main" val="0"/>
+              </a:ext>
+            </a:extLst>
+          </a:blip>
+          <a:stretch>
+            <a:fillRect/>
+          </a:stretch>
+        </p:blipFill>
+        <p:spPr>
+          <a:xfrm>
+            <a:off x="5783851" y="870616"/>
+            <a:ext cx="2609505" cy="1739670"/>
+          </a:xfrm>
+          <a:prstGeom prst="rect">
+            <a:avLst/>
+          </a:prstGeom>
+        </p:spPr>
+      </p:pic>
+      <p:pic>
+        <p:nvPicPr>
+          <p:cNvPr id="7" name="Grafik 6" descr="Ein Bild, das Diagramm enthält.&#10;&#10;Automatisch generierte Beschreibung">
+            <a:extLst>
+              <a:ext uri="{FF2B5EF4-FFF2-40B4-BE49-F238E27FC236}">
+                <a16:creationId xmlns:a16="http://schemas.microsoft.com/office/drawing/2014/main" id="{FA26AF34-198E-9D65-FCB1-F1C56206F899}"/>
+              </a:ext>
+            </a:extLst>
+          </p:cNvPr>
+          <p:cNvPicPr>
+            <a:picLocks noChangeAspect="1"/>
+          </p:cNvPicPr>
+          <p:nvPr/>
+        </p:nvPicPr>
+        <p:blipFill>
+          <a:blip r:embed="rId5">
+            <a:extLst>
+              <a:ext uri="{28A0092B-C50C-407E-A947-70E740481C1C}">
+                <a14:useLocalDpi xmlns:a14="http://schemas.microsoft.com/office/drawing/2010/main" val="0"/>
+              </a:ext>
+            </a:extLst>
+          </a:blip>
+          <a:stretch>
+            <a:fillRect/>
+          </a:stretch>
+        </p:blipFill>
+        <p:spPr>
+          <a:xfrm>
+            <a:off x="8463997" y="3210433"/>
+            <a:ext cx="2572559" cy="1715039"/>
+          </a:xfrm>
+          <a:prstGeom prst="rect">
+            <a:avLst/>
+          </a:prstGeom>
+        </p:spPr>
+      </p:pic>
+      <p:pic>
+        <p:nvPicPr>
+          <p:cNvPr id="8" name="Grafik 7" descr="Ein Bild, das Diagramm enthält.&#10;&#10;Automatisch generierte Beschreibung">
+            <a:extLst>
+              <a:ext uri="{FF2B5EF4-FFF2-40B4-BE49-F238E27FC236}">
+                <a16:creationId xmlns:a16="http://schemas.microsoft.com/office/drawing/2014/main" id="{066F9753-5301-EDFB-5582-FFE18B6299B1}"/>
+              </a:ext>
+            </a:extLst>
+          </p:cNvPr>
+          <p:cNvPicPr>
+            <a:picLocks noChangeAspect="1"/>
+          </p:cNvPicPr>
+          <p:nvPr/>
+        </p:nvPicPr>
+        <p:blipFill>
+          <a:blip r:embed="rId6">
+            <a:extLst>
+              <a:ext uri="{28A0092B-C50C-407E-A947-70E740481C1C}">
+                <a14:useLocalDpi xmlns:a14="http://schemas.microsoft.com/office/drawing/2010/main" val="0"/>
+              </a:ext>
+            </a:extLst>
+          </a:blip>
+          <a:stretch>
+            <a:fillRect/>
+          </a:stretch>
+        </p:blipFill>
+        <p:spPr>
+          <a:xfrm>
+            <a:off x="649762" y="3254419"/>
+            <a:ext cx="2322449" cy="1691219"/>
+          </a:xfrm>
+          <a:prstGeom prst="rect">
+            <a:avLst/>
+          </a:prstGeom>
+        </p:spPr>
+      </p:pic>
+      <p:pic>
+        <p:nvPicPr>
+          <p:cNvPr id="9" name="Grafik 8" descr="Ein Bild, das Diagramm enthält.&#10;&#10;Automatisch generierte Beschreibung">
+            <a:extLst>
+              <a:ext uri="{FF2B5EF4-FFF2-40B4-BE49-F238E27FC236}">
+                <a16:creationId xmlns:a16="http://schemas.microsoft.com/office/drawing/2014/main" id="{4A27043A-A29F-467C-377F-FE880B30C19D}"/>
+              </a:ext>
+            </a:extLst>
+          </p:cNvPr>
+          <p:cNvPicPr>
+            <a:picLocks noChangeAspect="1"/>
+          </p:cNvPicPr>
+          <p:nvPr/>
+        </p:nvPicPr>
+        <p:blipFill>
+          <a:blip r:embed="rId7">
+            <a:extLst>
+              <a:ext uri="{28A0092B-C50C-407E-A947-70E740481C1C}">
+                <a14:useLocalDpi xmlns:a14="http://schemas.microsoft.com/office/drawing/2010/main" val="0"/>
+              </a:ext>
+            </a:extLst>
+          </a:blip>
+          <a:stretch>
+            <a:fillRect/>
+          </a:stretch>
+        </p:blipFill>
+        <p:spPr>
+          <a:xfrm>
+            <a:off x="3179308" y="3254419"/>
+            <a:ext cx="2262899" cy="1691219"/>
+          </a:xfrm>
+          <a:prstGeom prst="rect">
+            <a:avLst/>
+          </a:prstGeom>
+        </p:spPr>
+      </p:pic>
+      <p:pic>
+        <p:nvPicPr>
+          <p:cNvPr id="10" name="Grafik 9" descr="Ein Bild, das Diagramm enthält.&#10;&#10;Automatisch generierte Beschreibung">
+            <a:extLst>
+              <a:ext uri="{FF2B5EF4-FFF2-40B4-BE49-F238E27FC236}">
+                <a16:creationId xmlns:a16="http://schemas.microsoft.com/office/drawing/2014/main" id="{927A4CE5-C77E-125E-ABCE-9D046490BA58}"/>
+              </a:ext>
+            </a:extLst>
+          </p:cNvPr>
+          <p:cNvPicPr>
+            <a:picLocks noChangeAspect="1"/>
+          </p:cNvPicPr>
+          <p:nvPr/>
+        </p:nvPicPr>
+        <p:blipFill>
+          <a:blip r:embed="rId8">
+            <a:extLst>
+              <a:ext uri="{28A0092B-C50C-407E-A947-70E740481C1C}">
+                <a14:useLocalDpi xmlns:a14="http://schemas.microsoft.com/office/drawing/2010/main" val="0"/>
+              </a:ext>
+            </a:extLst>
+          </a:blip>
+          <a:stretch>
+            <a:fillRect/>
+          </a:stretch>
+        </p:blipFill>
+        <p:spPr>
+          <a:xfrm>
+            <a:off x="5683802" y="3254419"/>
+            <a:ext cx="2322449" cy="1691219"/>
+          </a:xfrm>
+          <a:prstGeom prst="rect">
+            <a:avLst/>
+          </a:prstGeom>
+        </p:spPr>
+      </p:pic>
+      <p:sp>
+        <p:nvSpPr>
+          <p:cNvPr id="11" name="Textfeld 10">
+            <a:extLst>
+              <a:ext uri="{FF2B5EF4-FFF2-40B4-BE49-F238E27FC236}">
+                <a16:creationId xmlns:a16="http://schemas.microsoft.com/office/drawing/2014/main" id="{BD748C1D-6D2A-3661-26EB-14A93F919862}"/>
               </a:ext>
             </a:extLst>
           </p:cNvPr>
@@ -3450,8 +3669,335 @@
         </p:nvSpPr>
         <p:spPr>
           <a:xfrm>
-            <a:off x="6163733" y="1574801"/>
-            <a:ext cx="5714999" cy="923330"/>
+            <a:off x="656448" y="5351218"/>
+            <a:ext cx="4464977" cy="1446550"/>
+          </a:xfrm>
+          <a:prstGeom prst="rect">
+            <a:avLst/>
+          </a:prstGeom>
+          <a:noFill/>
+        </p:spPr>
+        <p:txBody>
+          <a:bodyPr wrap="square">
+            <a:spAutoFit/>
+          </a:bodyPr>
+          <a:lstStyle/>
+          <a:p>
+            <a:r>
+              <a:rPr lang="de-DE" sz="1400" dirty="0" err="1"/>
+              <a:t>notebook</a:t>
+            </a:r>
+            <a:r>
+              <a:rPr lang="de-DE" sz="1400" dirty="0"/>
+              <a:t>: </a:t>
+            </a:r>
+            <a:r>
+              <a:rPr lang="de-DE" sz="1400" dirty="0" err="1"/>
+              <a:t>gating</a:t>
+            </a:r>
+            <a:r>
+              <a:rPr lang="de-DE" sz="1400" dirty="0"/>
+              <a:t>/Paper/</a:t>
+            </a:r>
+            <a:r>
+              <a:rPr lang="de-DE" sz="1400" dirty="0" err="1"/>
+              <a:t>covid</a:t>
+            </a:r>
+            <a:r>
+              <a:rPr lang="de-DE" sz="1400" dirty="0"/>
+              <a:t>/01_get_data.ipynb</a:t>
+            </a:r>
+          </a:p>
+          <a:p>
+            <a:r>
+              <a:rPr lang="de-DE" sz="1400" dirty="0" err="1"/>
+              <a:t>notebook</a:t>
+            </a:r>
+            <a:r>
+              <a:rPr lang="de-DE" sz="1400" dirty="0"/>
+              <a:t>: gating/Paper/</a:t>
+            </a:r>
+            <a:r>
+              <a:rPr lang="de-DE" sz="1400" dirty="0" err="1"/>
+              <a:t>covid</a:t>
+            </a:r>
+            <a:r>
+              <a:rPr lang="de-DE" sz="1400" dirty="0"/>
+              <a:t>/02_run_gating.ipynb</a:t>
+            </a:r>
+          </a:p>
+          <a:p>
+            <a:r>
+              <a:rPr lang="de-DE" sz="1400" dirty="0" err="1"/>
+              <a:t>results</a:t>
+            </a:r>
+            <a:r>
+              <a:rPr lang="de-DE" sz="1400" dirty="0"/>
+              <a:t>: </a:t>
+            </a:r>
+            <a:r>
+              <a:rPr lang="de-DE" sz="1400" dirty="0" err="1"/>
+              <a:t>gating</a:t>
+            </a:r>
+            <a:r>
+              <a:rPr lang="de-DE" sz="1400" dirty="0"/>
+              <a:t>/Paper/</a:t>
+            </a:r>
+            <a:r>
+              <a:rPr lang="de-DE" sz="1400" dirty="0" err="1"/>
+              <a:t>results</a:t>
+            </a:r>
+            <a:r>
+              <a:rPr lang="de-DE" sz="1400" dirty="0"/>
+              <a:t>/02_cluster_C&lt;8|26&gt;</a:t>
+            </a:r>
+          </a:p>
+          <a:p>
+            <a:r>
+              <a:rPr lang="de-DE" sz="1400" dirty="0"/>
+              <a:t>Original in </a:t>
+            </a:r>
+            <a:r>
+              <a:rPr lang="de-DE" sz="1400" dirty="0" err="1"/>
+              <a:t>cluster</a:t>
+            </a:r>
+            <a:r>
+              <a:rPr lang="de-DE" sz="1400" dirty="0"/>
+              <a:t>: </a:t>
+            </a:r>
+            <a:r>
+              <a:rPr lang="de-DE" sz="1400" dirty="0" err="1">
+                <a:solidFill>
+                  <a:prstClr val="black"/>
+                </a:solidFill>
+                <a:latin typeface="Lucida Console" panose="020B0609040504020204" pitchFamily="49" charset="0"/>
+              </a:rPr>
+              <a:t>projects</a:t>
+            </a:r>
+            <a:r>
+              <a:rPr lang="de-DE" sz="1400" dirty="0">
+                <a:solidFill>
+                  <a:prstClr val="black"/>
+                </a:solidFill>
+                <a:latin typeface="Lucida Console" panose="020B0609040504020204" pitchFamily="49" charset="0"/>
+              </a:rPr>
+              <a:t>/</a:t>
+            </a:r>
+            <a:r>
+              <a:rPr lang="de-DE" sz="1400" dirty="0" err="1">
+                <a:solidFill>
+                  <a:prstClr val="black"/>
+                </a:solidFill>
+                <a:latin typeface="Lucida Console" panose="020B0609040504020204" pitchFamily="49" charset="0"/>
+              </a:rPr>
+              <a:t>gating</a:t>
+            </a:r>
+            <a:r>
+              <a:rPr lang="de-DE" sz="1400" dirty="0">
+                <a:solidFill>
+                  <a:prstClr val="black"/>
+                </a:solidFill>
+                <a:latin typeface="Lucida Console" panose="020B0609040504020204" pitchFamily="49" charset="0"/>
+              </a:rPr>
+              <a:t>/</a:t>
+            </a:r>
+            <a:r>
+              <a:rPr lang="de-DE" sz="1400" dirty="0" err="1">
+                <a:solidFill>
+                  <a:prstClr val="black"/>
+                </a:solidFill>
+                <a:latin typeface="Lucida Console" panose="020B0609040504020204" pitchFamily="49" charset="0"/>
+              </a:rPr>
+              <a:t>data</a:t>
+            </a:r>
+            <a:r>
+              <a:rPr lang="de-DE" sz="1400" dirty="0">
+                <a:solidFill>
+                  <a:prstClr val="black"/>
+                </a:solidFill>
+                <a:latin typeface="Lucida Console" panose="020B0609040504020204" pitchFamily="49" charset="0"/>
+              </a:rPr>
+              <a:t>/</a:t>
+            </a:r>
+            <a:r>
+              <a:rPr lang="de-DE" sz="1400" dirty="0" err="1">
+                <a:solidFill>
+                  <a:prstClr val="black"/>
+                </a:solidFill>
+                <a:latin typeface="Lucida Console" panose="020B0609040504020204" pitchFamily="49" charset="0"/>
+              </a:rPr>
+              <a:t>covid</a:t>
+            </a:r>
+            <a:endParaRPr lang="de-DE" sz="1400" dirty="0">
+              <a:solidFill>
+                <a:prstClr val="black"/>
+              </a:solidFill>
+              <a:latin typeface="Lucida Console" panose="020B0609040504020204" pitchFamily="49" charset="0"/>
+            </a:endParaRPr>
+          </a:p>
+          <a:p>
+            <a:r>
+              <a:rPr lang="de-DE" sz="1400" dirty="0" err="1">
+                <a:solidFill>
+                  <a:prstClr val="black"/>
+                </a:solidFill>
+                <a:latin typeface="Lucida Console" panose="020B0609040504020204" pitchFamily="49" charset="0"/>
+              </a:rPr>
+              <a:t>subsampling</a:t>
+            </a:r>
+            <a:r>
+              <a:rPr lang="de-DE" sz="1400" dirty="0">
+                <a:solidFill>
+                  <a:prstClr val="black"/>
+                </a:solidFill>
+                <a:latin typeface="Lucida Console" panose="020B0609040504020204" pitchFamily="49" charset="0"/>
+              </a:rPr>
+              <a:t> </a:t>
+            </a:r>
+            <a:r>
+              <a:rPr lang="de-DE" sz="1400" dirty="0" err="1">
+                <a:solidFill>
+                  <a:prstClr val="black"/>
+                </a:solidFill>
+                <a:latin typeface="Lucida Console" panose="020B0609040504020204" pitchFamily="49" charset="0"/>
+              </a:rPr>
+              <a:t>factor</a:t>
+            </a:r>
+            <a:r>
+              <a:rPr lang="de-DE" sz="1400" dirty="0">
+                <a:solidFill>
+                  <a:prstClr val="black"/>
+                </a:solidFill>
+                <a:latin typeface="Lucida Console" panose="020B0609040504020204" pitchFamily="49" charset="0"/>
+              </a:rPr>
+              <a:t> 15</a:t>
+            </a:r>
+          </a:p>
+          <a:p>
+            <a:endParaRPr lang="de-DE" dirty="0"/>
+          </a:p>
+        </p:txBody>
+      </p:sp>
+      <p:sp>
+        <p:nvSpPr>
+          <p:cNvPr id="12" name="Rechteck 11">
+            <a:extLst>
+              <a:ext uri="{FF2B5EF4-FFF2-40B4-BE49-F238E27FC236}">
+                <a16:creationId xmlns:a16="http://schemas.microsoft.com/office/drawing/2014/main" id="{7C2A59A5-4B9E-11B3-0B64-88761F4A56FA}"/>
+              </a:ext>
+            </a:extLst>
+          </p:cNvPr>
+          <p:cNvSpPr/>
+          <p:nvPr/>
+        </p:nvSpPr>
+        <p:spPr>
+          <a:xfrm>
+            <a:off x="533728" y="745648"/>
+            <a:ext cx="8257071" cy="2044645"/>
+          </a:xfrm>
+          <a:prstGeom prst="rect">
+            <a:avLst/>
+          </a:prstGeom>
+          <a:noFill/>
+          <a:ln>
+            <a:solidFill>
+              <a:schemeClr val="tx1"/>
+            </a:solidFill>
+          </a:ln>
+        </p:spPr>
+        <p:style>
+          <a:lnRef idx="2">
+            <a:schemeClr val="accent1">
+              <a:shade val="50000"/>
+            </a:schemeClr>
+          </a:lnRef>
+          <a:fillRef idx="1">
+            <a:schemeClr val="accent1"/>
+          </a:fillRef>
+          <a:effectRef idx="0">
+            <a:schemeClr val="accent1"/>
+          </a:effectRef>
+          <a:fontRef idx="minor">
+            <a:schemeClr val="lt1"/>
+          </a:fontRef>
+        </p:style>
+        <p:txBody>
+          <a:bodyPr rtlCol="0" anchor="ctr"/>
+          <a:lstStyle/>
+          <a:p>
+            <a:pPr algn="ctr"/>
+            <a:endParaRPr lang="de-DE"/>
+          </a:p>
+        </p:txBody>
+      </p:sp>
+      <p:sp>
+        <p:nvSpPr>
+          <p:cNvPr id="13" name="Rechteck 12">
+            <a:extLst>
+              <a:ext uri="{FF2B5EF4-FFF2-40B4-BE49-F238E27FC236}">
+                <a16:creationId xmlns:a16="http://schemas.microsoft.com/office/drawing/2014/main" id="{7810935B-575D-4FC4-210C-5E1736A7633F}"/>
+              </a:ext>
+            </a:extLst>
+          </p:cNvPr>
+          <p:cNvSpPr/>
+          <p:nvPr/>
+        </p:nvSpPr>
+        <p:spPr>
+          <a:xfrm>
+            <a:off x="533727" y="3131722"/>
+            <a:ext cx="10458696" cy="1870008"/>
+          </a:xfrm>
+          <a:prstGeom prst="rect">
+            <a:avLst/>
+          </a:prstGeom>
+          <a:noFill/>
+          <a:ln>
+            <a:solidFill>
+              <a:schemeClr val="tx1"/>
+            </a:solidFill>
+          </a:ln>
+        </p:spPr>
+        <p:style>
+          <a:lnRef idx="2">
+            <a:schemeClr val="accent1">
+              <a:shade val="50000"/>
+            </a:schemeClr>
+          </a:lnRef>
+          <a:fillRef idx="1">
+            <a:schemeClr val="accent1"/>
+          </a:fillRef>
+          <a:effectRef idx="0">
+            <a:schemeClr val="accent1"/>
+          </a:effectRef>
+          <a:fontRef idx="minor">
+            <a:schemeClr val="lt1"/>
+          </a:fontRef>
+        </p:style>
+        <p:txBody>
+          <a:bodyPr rtlCol="0" anchor="ctr"/>
+          <a:lstStyle/>
+          <a:p>
+            <a:pPr algn="ctr"/>
+            <a:endParaRPr lang="de-DE"/>
+          </a:p>
+        </p:txBody>
+      </p:sp>
+      <p:sp>
+        <p:nvSpPr>
+          <p:cNvPr id="14" name="Textfeld 13">
+            <a:extLst>
+              <a:ext uri="{FF2B5EF4-FFF2-40B4-BE49-F238E27FC236}">
+                <a16:creationId xmlns:a16="http://schemas.microsoft.com/office/drawing/2014/main" id="{0633E183-56F7-023C-9858-D3C2F06A6167}"/>
+              </a:ext>
+            </a:extLst>
+          </p:cNvPr>
+          <p:cNvSpPr txBox="1"/>
+          <p:nvPr/>
+        </p:nvSpPr>
+        <p:spPr>
+          <a:xfrm>
+            <a:off x="8905672" y="1636501"/>
+            <a:ext cx="757422" cy="369332"/>
           </a:xfrm>
           <a:prstGeom prst="rect">
             <a:avLst/>
@@ -3465,6 +4011,835 @@
           <a:lstStyle/>
           <a:p>
             <a:r>
+              <a:rPr lang="de-DE" dirty="0"/>
+              <a:t>C8</a:t>
+            </a:r>
+          </a:p>
+        </p:txBody>
+      </p:sp>
+      <p:sp>
+        <p:nvSpPr>
+          <p:cNvPr id="15" name="Textfeld 14">
+            <a:extLst>
+              <a:ext uri="{FF2B5EF4-FFF2-40B4-BE49-F238E27FC236}">
+                <a16:creationId xmlns:a16="http://schemas.microsoft.com/office/drawing/2014/main" id="{4F260433-F278-818F-29D4-60DFAFD85DC3}"/>
+              </a:ext>
+            </a:extLst>
+          </p:cNvPr>
+          <p:cNvSpPr txBox="1"/>
+          <p:nvPr/>
+        </p:nvSpPr>
+        <p:spPr>
+          <a:xfrm>
+            <a:off x="11071458" y="3963054"/>
+            <a:ext cx="757422" cy="369332"/>
+          </a:xfrm>
+          <a:prstGeom prst="rect">
+            <a:avLst/>
+          </a:prstGeom>
+          <a:noFill/>
+        </p:spPr>
+        <p:txBody>
+          <a:bodyPr wrap="square" rtlCol="0">
+            <a:spAutoFit/>
+          </a:bodyPr>
+          <a:lstStyle/>
+          <a:p>
+            <a:r>
+              <a:rPr lang="de-DE" dirty="0"/>
+              <a:t>C26</a:t>
+            </a:r>
+          </a:p>
+        </p:txBody>
+      </p:sp>
+      <p:sp>
+        <p:nvSpPr>
+          <p:cNvPr id="16" name="Textfeld 15">
+            <a:extLst>
+              <a:ext uri="{FF2B5EF4-FFF2-40B4-BE49-F238E27FC236}">
+                <a16:creationId xmlns:a16="http://schemas.microsoft.com/office/drawing/2014/main" id="{CFEC176D-8C80-A21F-9FE8-9B65D81E423E}"/>
+              </a:ext>
+            </a:extLst>
+          </p:cNvPr>
+          <p:cNvSpPr txBox="1"/>
+          <p:nvPr/>
+        </p:nvSpPr>
+        <p:spPr>
+          <a:xfrm>
+            <a:off x="4700766" y="212808"/>
+            <a:ext cx="2393923" cy="369332"/>
+          </a:xfrm>
+          <a:prstGeom prst="rect">
+            <a:avLst/>
+          </a:prstGeom>
+          <a:noFill/>
+        </p:spPr>
+        <p:txBody>
+          <a:bodyPr wrap="square" rtlCol="0">
+            <a:spAutoFit/>
+          </a:bodyPr>
+          <a:lstStyle/>
+          <a:p>
+            <a:r>
+              <a:rPr lang="de-DE" dirty="0"/>
+              <a:t>Georg </a:t>
+            </a:r>
+            <a:r>
+              <a:rPr lang="de-DE" dirty="0" err="1"/>
+              <a:t>CyTOF</a:t>
+            </a:r>
+            <a:endParaRPr lang="de-DE" dirty="0"/>
+          </a:p>
+        </p:txBody>
+      </p:sp>
+    </p:spTree>
+    <p:extLst>
+      <p:ext uri="{BB962C8B-B14F-4D97-AF65-F5344CB8AC3E}">
+        <p14:creationId xmlns:p14="http://schemas.microsoft.com/office/powerpoint/2010/main" val="2208555671"/>
+      </p:ext>
+    </p:extLst>
+  </p:cSld>
+  <p:clrMapOvr>
+    <a:masterClrMapping/>
+  </p:clrMapOvr>
+</p:sld>
+</file>
+
+<file path=ppt/slides/slide11.xml><?xml version="1.0" encoding="utf-8"?>
+<p:sld xmlns:a="http://schemas.openxmlformats.org/drawingml/2006/main" xmlns:r="http://schemas.openxmlformats.org/officeDocument/2006/relationships" xmlns:p="http://schemas.openxmlformats.org/presentationml/2006/main">
+  <p:cSld>
+    <p:spTree>
+      <p:nvGrpSpPr>
+        <p:cNvPr id="1" name=""/>
+        <p:cNvGrpSpPr/>
+        <p:nvPr/>
+      </p:nvGrpSpPr>
+      <p:grpSpPr>
+        <a:xfrm>
+          <a:off x="0" y="0"/>
+          <a:ext cx="0" cy="0"/>
+          <a:chOff x="0" y="0"/>
+          <a:chExt cx="0" cy="0"/>
+        </a:xfrm>
+      </p:grpSpPr>
+      <p:pic>
+        <p:nvPicPr>
+          <p:cNvPr id="4" name="Grafik 3" descr="Ein Bild, das Diagramm enthält.&#10;&#10;Automatisch generierte Beschreibung">
+            <a:extLst>
+              <a:ext uri="{FF2B5EF4-FFF2-40B4-BE49-F238E27FC236}">
+                <a16:creationId xmlns:a16="http://schemas.microsoft.com/office/drawing/2014/main" id="{11CADDFD-E418-5AAD-0B19-38D59DDD6D76}"/>
+              </a:ext>
+            </a:extLst>
+          </p:cNvPr>
+          <p:cNvPicPr>
+            <a:picLocks noChangeAspect="1"/>
+          </p:cNvPicPr>
+          <p:nvPr/>
+        </p:nvPicPr>
+        <p:blipFill>
+          <a:blip r:embed="rId2">
+            <a:extLst>
+              <a:ext uri="{28A0092B-C50C-407E-A947-70E740481C1C}">
+                <a14:useLocalDpi xmlns:a14="http://schemas.microsoft.com/office/drawing/2010/main" val="0"/>
+              </a:ext>
+            </a:extLst>
+          </a:blip>
+          <a:stretch>
+            <a:fillRect/>
+          </a:stretch>
+        </p:blipFill>
+        <p:spPr>
+          <a:xfrm>
+            <a:off x="9566546" y="139437"/>
+            <a:ext cx="2702026" cy="1801351"/>
+          </a:xfrm>
+          <a:prstGeom prst="rect">
+            <a:avLst/>
+          </a:prstGeom>
+        </p:spPr>
+      </p:pic>
+      <p:pic>
+        <p:nvPicPr>
+          <p:cNvPr id="5" name="Grafik 4" descr="Ein Bild, das Diagramm enthält.&#10;&#10;Automatisch generierte Beschreibung">
+            <a:extLst>
+              <a:ext uri="{FF2B5EF4-FFF2-40B4-BE49-F238E27FC236}">
+                <a16:creationId xmlns:a16="http://schemas.microsoft.com/office/drawing/2014/main" id="{76BF05AE-E411-D035-A491-0FF85BCEE0BD}"/>
+              </a:ext>
+            </a:extLst>
+          </p:cNvPr>
+          <p:cNvPicPr>
+            <a:picLocks noChangeAspect="1"/>
+          </p:cNvPicPr>
+          <p:nvPr/>
+        </p:nvPicPr>
+        <p:blipFill>
+          <a:blip r:embed="rId3">
+            <a:extLst>
+              <a:ext uri="{28A0092B-C50C-407E-A947-70E740481C1C}">
+                <a14:useLocalDpi xmlns:a14="http://schemas.microsoft.com/office/drawing/2010/main" val="0"/>
+              </a:ext>
+            </a:extLst>
+          </a:blip>
+          <a:stretch>
+            <a:fillRect/>
+          </a:stretch>
+        </p:blipFill>
+        <p:spPr>
+          <a:xfrm>
+            <a:off x="65267" y="233428"/>
+            <a:ext cx="2376782" cy="1776332"/>
+          </a:xfrm>
+          <a:prstGeom prst="rect">
+            <a:avLst/>
+          </a:prstGeom>
+        </p:spPr>
+      </p:pic>
+      <p:pic>
+        <p:nvPicPr>
+          <p:cNvPr id="6" name="Grafik 5" descr="Ein Bild, das Diagramm enthält.&#10;&#10;Automatisch generierte Beschreibung">
+            <a:extLst>
+              <a:ext uri="{FF2B5EF4-FFF2-40B4-BE49-F238E27FC236}">
+                <a16:creationId xmlns:a16="http://schemas.microsoft.com/office/drawing/2014/main" id="{641EFA14-7CB1-2E28-AB1D-AA14282D11C1}"/>
+              </a:ext>
+            </a:extLst>
+          </p:cNvPr>
+          <p:cNvPicPr>
+            <a:picLocks noChangeAspect="1"/>
+          </p:cNvPicPr>
+          <p:nvPr/>
+        </p:nvPicPr>
+        <p:blipFill>
+          <a:blip r:embed="rId4">
+            <a:extLst>
+              <a:ext uri="{28A0092B-C50C-407E-A947-70E740481C1C}">
+                <a14:useLocalDpi xmlns:a14="http://schemas.microsoft.com/office/drawing/2010/main" val="0"/>
+              </a:ext>
+            </a:extLst>
+          </a:blip>
+          <a:stretch>
+            <a:fillRect/>
+          </a:stretch>
+        </p:blipFill>
+        <p:spPr>
+          <a:xfrm>
+            <a:off x="2408865" y="233428"/>
+            <a:ext cx="2376782" cy="1776332"/>
+          </a:xfrm>
+          <a:prstGeom prst="rect">
+            <a:avLst/>
+          </a:prstGeom>
+        </p:spPr>
+      </p:pic>
+      <p:pic>
+        <p:nvPicPr>
+          <p:cNvPr id="7" name="Grafik 6" descr="Ein Bild, das Diagramm enthält.&#10;&#10;Automatisch generierte Beschreibung">
+            <a:extLst>
+              <a:ext uri="{FF2B5EF4-FFF2-40B4-BE49-F238E27FC236}">
+                <a16:creationId xmlns:a16="http://schemas.microsoft.com/office/drawing/2014/main" id="{FF99913C-7F33-FB36-A85F-5F0C804A5A4A}"/>
+              </a:ext>
+            </a:extLst>
+          </p:cNvPr>
+          <p:cNvPicPr>
+            <a:picLocks noChangeAspect="1"/>
+          </p:cNvPicPr>
+          <p:nvPr/>
+        </p:nvPicPr>
+        <p:blipFill>
+          <a:blip r:embed="rId5">
+            <a:extLst>
+              <a:ext uri="{28A0092B-C50C-407E-A947-70E740481C1C}">
+                <a14:useLocalDpi xmlns:a14="http://schemas.microsoft.com/office/drawing/2010/main" val="0"/>
+              </a:ext>
+            </a:extLst>
+          </a:blip>
+          <a:stretch>
+            <a:fillRect/>
+          </a:stretch>
+        </p:blipFill>
+        <p:spPr>
+          <a:xfrm>
+            <a:off x="4833176" y="233428"/>
+            <a:ext cx="2376782" cy="1776332"/>
+          </a:xfrm>
+          <a:prstGeom prst="rect">
+            <a:avLst/>
+          </a:prstGeom>
+        </p:spPr>
+      </p:pic>
+      <p:pic>
+        <p:nvPicPr>
+          <p:cNvPr id="8" name="Grafik 7" descr="Ein Bild, das Diagramm enthält.&#10;&#10;Automatisch generierte Beschreibung">
+            <a:extLst>
+              <a:ext uri="{FF2B5EF4-FFF2-40B4-BE49-F238E27FC236}">
+                <a16:creationId xmlns:a16="http://schemas.microsoft.com/office/drawing/2014/main" id="{885CAAA7-776B-4C03-11E3-AC0A72A46417}"/>
+              </a:ext>
+            </a:extLst>
+          </p:cNvPr>
+          <p:cNvPicPr>
+            <a:picLocks noChangeAspect="1"/>
+          </p:cNvPicPr>
+          <p:nvPr/>
+        </p:nvPicPr>
+        <p:blipFill>
+          <a:blip r:embed="rId6">
+            <a:extLst>
+              <a:ext uri="{28A0092B-C50C-407E-A947-70E740481C1C}">
+                <a14:useLocalDpi xmlns:a14="http://schemas.microsoft.com/office/drawing/2010/main" val="0"/>
+              </a:ext>
+            </a:extLst>
+          </a:blip>
+          <a:stretch>
+            <a:fillRect/>
+          </a:stretch>
+        </p:blipFill>
+        <p:spPr>
+          <a:xfrm>
+            <a:off x="7230582" y="233428"/>
+            <a:ext cx="2376782" cy="1776332"/>
+          </a:xfrm>
+          <a:prstGeom prst="rect">
+            <a:avLst/>
+          </a:prstGeom>
+        </p:spPr>
+      </p:pic>
+      <p:pic>
+        <p:nvPicPr>
+          <p:cNvPr id="9" name="Grafik 8">
+            <a:extLst>
+              <a:ext uri="{FF2B5EF4-FFF2-40B4-BE49-F238E27FC236}">
+                <a16:creationId xmlns:a16="http://schemas.microsoft.com/office/drawing/2014/main" id="{BB44857C-1D07-911B-1C36-8C18E82DEF26}"/>
+              </a:ext>
+            </a:extLst>
+          </p:cNvPr>
+          <p:cNvPicPr>
+            <a:picLocks noChangeAspect="1"/>
+          </p:cNvPicPr>
+          <p:nvPr/>
+        </p:nvPicPr>
+        <p:blipFill>
+          <a:blip r:embed="rId7">
+            <a:extLst>
+              <a:ext uri="{28A0092B-C50C-407E-A947-70E740481C1C}">
+                <a14:useLocalDpi xmlns:a14="http://schemas.microsoft.com/office/drawing/2010/main" val="0"/>
+              </a:ext>
+            </a:extLst>
+          </a:blip>
+          <a:stretch>
+            <a:fillRect/>
+          </a:stretch>
+        </p:blipFill>
+        <p:spPr>
+          <a:xfrm>
+            <a:off x="4896912" y="2231446"/>
+            <a:ext cx="2702028" cy="1801352"/>
+          </a:xfrm>
+          <a:prstGeom prst="rect">
+            <a:avLst/>
+          </a:prstGeom>
+        </p:spPr>
+      </p:pic>
+      <p:pic>
+        <p:nvPicPr>
+          <p:cNvPr id="10" name="Grafik 9" descr="Ein Bild, das Diagramm enthält.&#10;&#10;Automatisch generierte Beschreibung">
+            <a:extLst>
+              <a:ext uri="{FF2B5EF4-FFF2-40B4-BE49-F238E27FC236}">
+                <a16:creationId xmlns:a16="http://schemas.microsoft.com/office/drawing/2014/main" id="{571B072B-064F-64BC-4D78-898993F05DF8}"/>
+              </a:ext>
+            </a:extLst>
+          </p:cNvPr>
+          <p:cNvPicPr>
+            <a:picLocks noChangeAspect="1"/>
+          </p:cNvPicPr>
+          <p:nvPr/>
+        </p:nvPicPr>
+        <p:blipFill>
+          <a:blip r:embed="rId8">
+            <a:extLst>
+              <a:ext uri="{28A0092B-C50C-407E-A947-70E740481C1C}">
+                <a14:useLocalDpi xmlns:a14="http://schemas.microsoft.com/office/drawing/2010/main" val="0"/>
+              </a:ext>
+            </a:extLst>
+          </a:blip>
+          <a:stretch>
+            <a:fillRect/>
+          </a:stretch>
+        </p:blipFill>
+        <p:spPr>
+          <a:xfrm>
+            <a:off x="102097" y="2274990"/>
+            <a:ext cx="2376784" cy="1776333"/>
+          </a:xfrm>
+          <a:prstGeom prst="rect">
+            <a:avLst/>
+          </a:prstGeom>
+        </p:spPr>
+      </p:pic>
+      <p:pic>
+        <p:nvPicPr>
+          <p:cNvPr id="11" name="Grafik 10" descr="Ein Bild, das Diagramm enthält.&#10;&#10;Automatisch generierte Beschreibung">
+            <a:extLst>
+              <a:ext uri="{FF2B5EF4-FFF2-40B4-BE49-F238E27FC236}">
+                <a16:creationId xmlns:a16="http://schemas.microsoft.com/office/drawing/2014/main" id="{3CA84B56-4816-A7F9-ED0B-2D40D3C17CE6}"/>
+              </a:ext>
+            </a:extLst>
+          </p:cNvPr>
+          <p:cNvPicPr>
+            <a:picLocks noChangeAspect="1"/>
+          </p:cNvPicPr>
+          <p:nvPr/>
+        </p:nvPicPr>
+        <p:blipFill>
+          <a:blip r:embed="rId9">
+            <a:extLst>
+              <a:ext uri="{28A0092B-C50C-407E-A947-70E740481C1C}">
+                <a14:useLocalDpi xmlns:a14="http://schemas.microsoft.com/office/drawing/2010/main" val="0"/>
+              </a:ext>
+            </a:extLst>
+          </a:blip>
+          <a:stretch>
+            <a:fillRect/>
+          </a:stretch>
+        </p:blipFill>
+        <p:spPr>
+          <a:xfrm>
+            <a:off x="2520128" y="2274989"/>
+            <a:ext cx="2376784" cy="1776333"/>
+          </a:xfrm>
+          <a:prstGeom prst="rect">
+            <a:avLst/>
+          </a:prstGeom>
+        </p:spPr>
+      </p:pic>
+      <p:sp>
+        <p:nvSpPr>
+          <p:cNvPr id="12" name="Rechteck 11">
+            <a:extLst>
+              <a:ext uri="{FF2B5EF4-FFF2-40B4-BE49-F238E27FC236}">
+                <a16:creationId xmlns:a16="http://schemas.microsoft.com/office/drawing/2014/main" id="{9378A1CD-B789-373E-0852-01987CDC88D5}"/>
+              </a:ext>
+            </a:extLst>
+          </p:cNvPr>
+          <p:cNvSpPr/>
+          <p:nvPr/>
+        </p:nvSpPr>
+        <p:spPr>
+          <a:xfrm>
+            <a:off x="65267" y="70465"/>
+            <a:ext cx="12061466" cy="1939296"/>
+          </a:xfrm>
+          <a:prstGeom prst="rect">
+            <a:avLst/>
+          </a:prstGeom>
+          <a:noFill/>
+          <a:ln>
+            <a:solidFill>
+              <a:schemeClr val="tx1"/>
+            </a:solidFill>
+          </a:ln>
+        </p:spPr>
+        <p:style>
+          <a:lnRef idx="2">
+            <a:schemeClr val="accent1">
+              <a:shade val="50000"/>
+            </a:schemeClr>
+          </a:lnRef>
+          <a:fillRef idx="1">
+            <a:schemeClr val="accent1"/>
+          </a:fillRef>
+          <a:effectRef idx="0">
+            <a:schemeClr val="accent1"/>
+          </a:effectRef>
+          <a:fontRef idx="minor">
+            <a:schemeClr val="lt1"/>
+          </a:fontRef>
+        </p:style>
+        <p:txBody>
+          <a:bodyPr rtlCol="0" anchor="ctr"/>
+          <a:lstStyle/>
+          <a:p>
+            <a:pPr algn="ctr"/>
+            <a:endParaRPr lang="de-DE"/>
+          </a:p>
+        </p:txBody>
+      </p:sp>
+      <p:sp>
+        <p:nvSpPr>
+          <p:cNvPr id="13" name="Rechteck 12">
+            <a:extLst>
+              <a:ext uri="{FF2B5EF4-FFF2-40B4-BE49-F238E27FC236}">
+                <a16:creationId xmlns:a16="http://schemas.microsoft.com/office/drawing/2014/main" id="{84B74A8B-D1D4-3C9C-4B10-9B9D10DFB0CE}"/>
+              </a:ext>
+            </a:extLst>
+          </p:cNvPr>
+          <p:cNvSpPr/>
+          <p:nvPr/>
+        </p:nvSpPr>
+        <p:spPr>
+          <a:xfrm>
+            <a:off x="65267" y="2231445"/>
+            <a:ext cx="7533673" cy="1870008"/>
+          </a:xfrm>
+          <a:prstGeom prst="rect">
+            <a:avLst/>
+          </a:prstGeom>
+          <a:noFill/>
+          <a:ln>
+            <a:solidFill>
+              <a:schemeClr val="tx1"/>
+            </a:solidFill>
+          </a:ln>
+        </p:spPr>
+        <p:style>
+          <a:lnRef idx="2">
+            <a:schemeClr val="accent1">
+              <a:shade val="50000"/>
+            </a:schemeClr>
+          </a:lnRef>
+          <a:fillRef idx="1">
+            <a:schemeClr val="accent1"/>
+          </a:fillRef>
+          <a:effectRef idx="0">
+            <a:schemeClr val="accent1"/>
+          </a:effectRef>
+          <a:fontRef idx="minor">
+            <a:schemeClr val="lt1"/>
+          </a:fontRef>
+        </p:style>
+        <p:txBody>
+          <a:bodyPr rtlCol="0" anchor="ctr"/>
+          <a:lstStyle/>
+          <a:p>
+            <a:pPr algn="ctr"/>
+            <a:endParaRPr lang="de-DE"/>
+          </a:p>
+        </p:txBody>
+      </p:sp>
+      <p:sp>
+        <p:nvSpPr>
+          <p:cNvPr id="14" name="Textfeld 13">
+            <a:extLst>
+              <a:ext uri="{FF2B5EF4-FFF2-40B4-BE49-F238E27FC236}">
+                <a16:creationId xmlns:a16="http://schemas.microsoft.com/office/drawing/2014/main" id="{601EB05F-C56B-9A26-5BC2-2B363A1E05AF}"/>
+              </a:ext>
+            </a:extLst>
+          </p:cNvPr>
+          <p:cNvSpPr txBox="1"/>
+          <p:nvPr/>
+        </p:nvSpPr>
+        <p:spPr>
+          <a:xfrm>
+            <a:off x="10488337" y="2005190"/>
+            <a:ext cx="757422" cy="369332"/>
+          </a:xfrm>
+          <a:prstGeom prst="rect">
+            <a:avLst/>
+          </a:prstGeom>
+          <a:noFill/>
+        </p:spPr>
+        <p:txBody>
+          <a:bodyPr wrap="square" rtlCol="0">
+            <a:spAutoFit/>
+          </a:bodyPr>
+          <a:lstStyle/>
+          <a:p>
+            <a:r>
+              <a:rPr lang="de-DE" dirty="0"/>
+              <a:t>C7</a:t>
+            </a:r>
+          </a:p>
+        </p:txBody>
+      </p:sp>
+      <p:sp>
+        <p:nvSpPr>
+          <p:cNvPr id="15" name="Textfeld 14">
+            <a:extLst>
+              <a:ext uri="{FF2B5EF4-FFF2-40B4-BE49-F238E27FC236}">
+                <a16:creationId xmlns:a16="http://schemas.microsoft.com/office/drawing/2014/main" id="{3EACE10C-A9CE-85AE-A3D4-59589ED59A50}"/>
+              </a:ext>
+            </a:extLst>
+          </p:cNvPr>
+          <p:cNvSpPr txBox="1"/>
+          <p:nvPr/>
+        </p:nvSpPr>
+        <p:spPr>
+          <a:xfrm>
+            <a:off x="7598940" y="3017733"/>
+            <a:ext cx="757422" cy="369332"/>
+          </a:xfrm>
+          <a:prstGeom prst="rect">
+            <a:avLst/>
+          </a:prstGeom>
+          <a:noFill/>
+        </p:spPr>
+        <p:txBody>
+          <a:bodyPr wrap="square" rtlCol="0">
+            <a:spAutoFit/>
+          </a:bodyPr>
+          <a:lstStyle/>
+          <a:p>
+            <a:r>
+              <a:rPr lang="de-DE" dirty="0"/>
+              <a:t>C25</a:t>
+            </a:r>
+          </a:p>
+        </p:txBody>
+      </p:sp>
+      <p:sp>
+        <p:nvSpPr>
+          <p:cNvPr id="16" name="Textfeld 15">
+            <a:extLst>
+              <a:ext uri="{FF2B5EF4-FFF2-40B4-BE49-F238E27FC236}">
+                <a16:creationId xmlns:a16="http://schemas.microsoft.com/office/drawing/2014/main" id="{913151EE-04C4-F0C1-D224-238BF112178F}"/>
+              </a:ext>
+            </a:extLst>
+          </p:cNvPr>
+          <p:cNvSpPr txBox="1"/>
+          <p:nvPr/>
+        </p:nvSpPr>
+        <p:spPr>
+          <a:xfrm>
+            <a:off x="685944" y="4706503"/>
+            <a:ext cx="4464977" cy="1231106"/>
+          </a:xfrm>
+          <a:prstGeom prst="rect">
+            <a:avLst/>
+          </a:prstGeom>
+          <a:noFill/>
+        </p:spPr>
+        <p:txBody>
+          <a:bodyPr wrap="square">
+            <a:spAutoFit/>
+          </a:bodyPr>
+          <a:lstStyle/>
+          <a:p>
+            <a:r>
+              <a:rPr lang="de-DE" sz="1400" dirty="0" err="1"/>
+              <a:t>notebook</a:t>
+            </a:r>
+            <a:r>
+              <a:rPr lang="de-DE" sz="1400" dirty="0"/>
+              <a:t>: </a:t>
+            </a:r>
+            <a:r>
+              <a:rPr lang="de-DE" sz="1400" dirty="0" err="1"/>
+              <a:t>gating</a:t>
+            </a:r>
+            <a:r>
+              <a:rPr lang="de-DE" sz="1400" dirty="0"/>
+              <a:t>/Paper/</a:t>
+            </a:r>
+            <a:r>
+              <a:rPr lang="de-DE" sz="1400" dirty="0" err="1"/>
+              <a:t>covid</a:t>
+            </a:r>
+            <a:r>
+              <a:rPr lang="de-DE" sz="1400" dirty="0"/>
+              <a:t>/01_get_data.ipynb</a:t>
+            </a:r>
+          </a:p>
+          <a:p>
+            <a:r>
+              <a:rPr lang="de-DE" sz="1400" dirty="0" err="1"/>
+              <a:t>notebook</a:t>
+            </a:r>
+            <a:r>
+              <a:rPr lang="de-DE" sz="1400" dirty="0"/>
+              <a:t>: gating/Paper/</a:t>
+            </a:r>
+            <a:r>
+              <a:rPr lang="de-DE" sz="1400" dirty="0" err="1"/>
+              <a:t>covid</a:t>
+            </a:r>
+            <a:r>
+              <a:rPr lang="de-DE" sz="1400"/>
+              <a:t>/03_</a:t>
+            </a:r>
+            <a:r>
+              <a:rPr lang="de-DE" sz="1400" dirty="0"/>
+              <a:t>run_gating.ipynb</a:t>
+            </a:r>
+          </a:p>
+          <a:p>
+            <a:r>
+              <a:rPr lang="de-DE" sz="1400" dirty="0" err="1"/>
+              <a:t>results</a:t>
+            </a:r>
+            <a:r>
+              <a:rPr lang="de-DE" sz="1400" dirty="0"/>
+              <a:t>: </a:t>
+            </a:r>
+            <a:r>
+              <a:rPr lang="de-DE" sz="1400" dirty="0" err="1"/>
+              <a:t>gating</a:t>
+            </a:r>
+            <a:r>
+              <a:rPr lang="de-DE" sz="1400" dirty="0"/>
+              <a:t>/Paper/</a:t>
+            </a:r>
+            <a:r>
+              <a:rPr lang="de-DE" sz="1400" dirty="0" err="1"/>
+              <a:t>results</a:t>
+            </a:r>
+            <a:r>
+              <a:rPr lang="de-DE" sz="1400" dirty="0"/>
+              <a:t>/03_cluster_C&lt;7|25&gt;</a:t>
+            </a:r>
+          </a:p>
+          <a:p>
+            <a:r>
+              <a:rPr lang="de-DE" sz="1400" dirty="0"/>
+              <a:t>Original in </a:t>
+            </a:r>
+            <a:r>
+              <a:rPr lang="de-DE" sz="1400" dirty="0" err="1"/>
+              <a:t>cluster</a:t>
+            </a:r>
+            <a:r>
+              <a:rPr lang="de-DE" sz="1400" dirty="0"/>
+              <a:t>: </a:t>
+            </a:r>
+            <a:r>
+              <a:rPr lang="de-DE" sz="1400" dirty="0" err="1">
+                <a:solidFill>
+                  <a:prstClr val="black"/>
+                </a:solidFill>
+                <a:latin typeface="Lucida Console" panose="020B0609040504020204" pitchFamily="49" charset="0"/>
+              </a:rPr>
+              <a:t>projects</a:t>
+            </a:r>
+            <a:r>
+              <a:rPr lang="de-DE" sz="1400" dirty="0">
+                <a:solidFill>
+                  <a:prstClr val="black"/>
+                </a:solidFill>
+                <a:latin typeface="Lucida Console" panose="020B0609040504020204" pitchFamily="49" charset="0"/>
+              </a:rPr>
+              <a:t>/</a:t>
+            </a:r>
+            <a:r>
+              <a:rPr lang="de-DE" sz="1400" dirty="0" err="1">
+                <a:solidFill>
+                  <a:prstClr val="black"/>
+                </a:solidFill>
+                <a:latin typeface="Lucida Console" panose="020B0609040504020204" pitchFamily="49" charset="0"/>
+              </a:rPr>
+              <a:t>gating</a:t>
+            </a:r>
+            <a:r>
+              <a:rPr lang="de-DE" sz="1400" dirty="0">
+                <a:solidFill>
+                  <a:prstClr val="black"/>
+                </a:solidFill>
+                <a:latin typeface="Lucida Console" panose="020B0609040504020204" pitchFamily="49" charset="0"/>
+              </a:rPr>
+              <a:t>/</a:t>
+            </a:r>
+            <a:r>
+              <a:rPr lang="de-DE" sz="1400" dirty="0" err="1">
+                <a:solidFill>
+                  <a:prstClr val="black"/>
+                </a:solidFill>
+                <a:latin typeface="Lucida Console" panose="020B0609040504020204" pitchFamily="49" charset="0"/>
+              </a:rPr>
+              <a:t>data</a:t>
+            </a:r>
+            <a:r>
+              <a:rPr lang="de-DE" sz="1400" dirty="0">
+                <a:solidFill>
+                  <a:prstClr val="black"/>
+                </a:solidFill>
+                <a:latin typeface="Lucida Console" panose="020B0609040504020204" pitchFamily="49" charset="0"/>
+              </a:rPr>
+              <a:t>/</a:t>
+            </a:r>
+            <a:r>
+              <a:rPr lang="de-DE" sz="1400" dirty="0" err="1">
+                <a:solidFill>
+                  <a:prstClr val="black"/>
+                </a:solidFill>
+                <a:latin typeface="Lucida Console" panose="020B0609040504020204" pitchFamily="49" charset="0"/>
+              </a:rPr>
+              <a:t>covid</a:t>
+            </a:r>
+            <a:endParaRPr lang="de-DE" sz="1400" dirty="0">
+              <a:solidFill>
+                <a:prstClr val="black"/>
+              </a:solidFill>
+              <a:latin typeface="Lucida Console" panose="020B0609040504020204" pitchFamily="49" charset="0"/>
+            </a:endParaRPr>
+          </a:p>
+          <a:p>
+            <a:r>
+              <a:rPr lang="de-DE" dirty="0"/>
+              <a:t>1/16 </a:t>
+            </a:r>
+            <a:r>
+              <a:rPr lang="de-DE" dirty="0" err="1"/>
+              <a:t>fraction</a:t>
+            </a:r>
+            <a:endParaRPr lang="de-DE" dirty="0"/>
+          </a:p>
+        </p:txBody>
+      </p:sp>
+    </p:spTree>
+    <p:extLst>
+      <p:ext uri="{BB962C8B-B14F-4D97-AF65-F5344CB8AC3E}">
+        <p14:creationId xmlns:p14="http://schemas.microsoft.com/office/powerpoint/2010/main" val="789077241"/>
+      </p:ext>
+    </p:extLst>
+  </p:cSld>
+  <p:clrMapOvr>
+    <a:masterClrMapping/>
+  </p:clrMapOvr>
+</p:sld>
+</file>
+
+<file path=ppt/slides/slide12.xml><?xml version="1.0" encoding="utf-8"?>
+<p:sld xmlns:a="http://schemas.openxmlformats.org/drawingml/2006/main" xmlns:r="http://schemas.openxmlformats.org/officeDocument/2006/relationships" xmlns:p="http://schemas.openxmlformats.org/presentationml/2006/main">
+  <p:cSld>
+    <p:spTree>
+      <p:nvGrpSpPr>
+        <p:cNvPr id="1" name=""/>
+        <p:cNvGrpSpPr/>
+        <p:nvPr/>
+      </p:nvGrpSpPr>
+      <p:grpSpPr>
+        <a:xfrm>
+          <a:off x="0" y="0"/>
+          <a:ext cx="0" cy="0"/>
+          <a:chOff x="0" y="0"/>
+          <a:chExt cx="0" cy="0"/>
+        </a:xfrm>
+      </p:grpSpPr>
+      <p:sp>
+        <p:nvSpPr>
+          <p:cNvPr id="6" name="Textfeld 5">
+            <a:extLst>
+              <a:ext uri="{FF2B5EF4-FFF2-40B4-BE49-F238E27FC236}">
+                <a16:creationId xmlns:a16="http://schemas.microsoft.com/office/drawing/2014/main" id="{B3AD419D-EB67-5165-F0A7-14868CBFEA51}"/>
+              </a:ext>
+            </a:extLst>
+          </p:cNvPr>
+          <p:cNvSpPr txBox="1"/>
+          <p:nvPr/>
+        </p:nvSpPr>
+        <p:spPr>
+          <a:xfrm>
+            <a:off x="6163733" y="1574801"/>
+            <a:ext cx="5714999" cy="923330"/>
+          </a:xfrm>
+          <a:prstGeom prst="rect">
+            <a:avLst/>
+          </a:prstGeom>
+          <a:noFill/>
+        </p:spPr>
+        <p:txBody>
+          <a:bodyPr wrap="square" rtlCol="0">
+            <a:spAutoFit/>
+          </a:bodyPr>
+          <a:lstStyle/>
+          <a:p>
+            <a:r>
               <a:rPr lang="de-DE" dirty="0" err="1"/>
               <a:t>Reduced</a:t>
             </a:r>
@@ -3557,6 +4932,41 @@
           </a:p>
         </p:txBody>
       </p:sp>
+      <p:pic>
+        <p:nvPicPr>
+          <p:cNvPr id="2" name="Grafik 1" descr="Ein Bild, das Diagramm enthält.&#10;&#10;Automatisch generierte Beschreibung">
+            <a:extLst>
+              <a:ext uri="{FF2B5EF4-FFF2-40B4-BE49-F238E27FC236}">
+                <a16:creationId xmlns:a16="http://schemas.microsoft.com/office/drawing/2014/main" id="{820C5E69-0244-9BDA-875A-1C542F5E4BAA}"/>
+              </a:ext>
+            </a:extLst>
+          </p:cNvPr>
+          <p:cNvPicPr>
+            <a:picLocks noChangeAspect="1"/>
+          </p:cNvPicPr>
+          <p:nvPr/>
+        </p:nvPicPr>
+        <p:blipFill rotWithShape="1">
+          <a:blip r:embed="rId2">
+            <a:extLst>
+              <a:ext uri="{28A0092B-C50C-407E-A947-70E740481C1C}">
+                <a14:useLocalDpi xmlns:a14="http://schemas.microsoft.com/office/drawing/2010/main" val="0"/>
+              </a:ext>
+            </a:extLst>
+          </a:blip>
+          <a:srcRect l="19022" t="15298" r="31485" b="6957"/>
+          <a:stretch/>
+        </p:blipFill>
+        <p:spPr>
+          <a:xfrm>
+            <a:off x="200167" y="1196198"/>
+            <a:ext cx="6034157" cy="5208104"/>
+          </a:xfrm>
+          <a:prstGeom prst="rect">
+            <a:avLst/>
+          </a:prstGeom>
+        </p:spPr>
+      </p:pic>
     </p:spTree>
     <p:extLst>
       <p:ext uri="{BB962C8B-B14F-4D97-AF65-F5344CB8AC3E}">
@@ -6367,7 +7777,7 @@
           <p:cNvPr id="4" name="Textfeld 3">
             <a:extLst>
               <a:ext uri="{FF2B5EF4-FFF2-40B4-BE49-F238E27FC236}">
-                <a16:creationId xmlns:a16="http://schemas.microsoft.com/office/drawing/2014/main" id="{DF06D156-DEFA-4BFB-C5A7-BF539C181E3D}"/>
+                <a16:creationId xmlns:a16="http://schemas.microsoft.com/office/drawing/2014/main" id="{CCD777D3-3D79-8F4F-A012-E3A4813D801D}"/>
               </a:ext>
             </a:extLst>
           </p:cNvPr>
@@ -6376,8 +7786,8 @@
         </p:nvSpPr>
         <p:spPr>
           <a:xfrm>
-            <a:off x="3256280" y="1935480"/>
-            <a:ext cx="7254240" cy="2646878"/>
+            <a:off x="838200" y="762000"/>
+            <a:ext cx="4309533" cy="1477328"/>
           </a:xfrm>
           <a:prstGeom prst="rect">
             <a:avLst/>
@@ -6391,17 +7801,61 @@
           <a:lstStyle/>
           <a:p>
             <a:r>
-              <a:rPr lang="de-DE" sz="16600" dirty="0" err="1"/>
-              <a:t>CyTOF</a:t>
-            </a:r>
-            <a:endParaRPr lang="de-DE" sz="16600" dirty="0"/>
+              <a:rPr lang="de-DE" dirty="0" err="1"/>
+              <a:t>Preprocess</a:t>
+            </a:r>
+            <a:r>
+              <a:rPr lang="de-DE" dirty="0"/>
+              <a:t>:      01_pp_script.py</a:t>
+            </a:r>
+          </a:p>
+          <a:p>
+            <a:r>
+              <a:rPr lang="de-DE" dirty="0"/>
+              <a:t>	         02_pp_script.py</a:t>
+            </a:r>
+          </a:p>
+          <a:p>
+            <a:r>
+              <a:rPr lang="de-DE" dirty="0"/>
+              <a:t>Subsampling:   03_subsample.py</a:t>
+            </a:r>
+          </a:p>
+          <a:p>
+            <a:r>
+              <a:rPr lang="de-DE" dirty="0" err="1"/>
+              <a:t>Gating</a:t>
+            </a:r>
+            <a:r>
+              <a:rPr lang="de-DE" dirty="0"/>
+              <a:t>: 04_run_gating (</a:t>
+            </a:r>
+            <a:r>
+              <a:rPr lang="de-DE" dirty="0" err="1"/>
+              <a:t>self-explaining</a:t>
+            </a:r>
+            <a:r>
+              <a:rPr lang="de-DE" dirty="0"/>
+              <a:t>)</a:t>
+            </a:r>
+          </a:p>
+          <a:p>
+            <a:r>
+              <a:rPr lang="de-DE" dirty="0" err="1"/>
+              <a:t>Subsample_factor</a:t>
+            </a:r>
+            <a:r>
+              <a:rPr lang="de-DE"/>
+              <a:t>: 15</a:t>
+            </a:r>
+            <a:endParaRPr lang="de-DE" dirty="0"/>
           </a:p>
         </p:txBody>
       </p:sp>
     </p:spTree>
     <p:extLst>
       <p:ext uri="{BB962C8B-B14F-4D97-AF65-F5344CB8AC3E}">
-        <p14:creationId xmlns:p14="http://schemas.microsoft.com/office/powerpoint/2010/main" val="1144258984"/>
+        <p14:creationId xmlns:p14="http://schemas.microsoft.com/office/powerpoint/2010/main" val="1890735338"/>
       </p:ext>
     </p:extLst>
   </p:cSld>
@@ -6428,264 +7882,12 @@
           <a:chExt cx="0" cy="0"/>
         </a:xfrm>
       </p:grpSpPr>
-      <p:pic>
-        <p:nvPicPr>
-          <p:cNvPr id="4" name="Grafik 3" descr="Ein Bild, das Diagramm enthält.&#10;&#10;Automatisch generierte Beschreibung">
-            <a:extLst>
-              <a:ext uri="{FF2B5EF4-FFF2-40B4-BE49-F238E27FC236}">
-                <a16:creationId xmlns:a16="http://schemas.microsoft.com/office/drawing/2014/main" id="{EDD04CD5-C80B-B68B-2EDD-EB4B7AAA522F}"/>
-              </a:ext>
-            </a:extLst>
-          </p:cNvPr>
-          <p:cNvPicPr>
-            <a:picLocks noChangeAspect="1"/>
-          </p:cNvPicPr>
-          <p:nvPr/>
-        </p:nvPicPr>
-        <p:blipFill>
-          <a:blip r:embed="rId2">
-            <a:extLst>
-              <a:ext uri="{28A0092B-C50C-407E-A947-70E740481C1C}">
-                <a14:useLocalDpi xmlns:a14="http://schemas.microsoft.com/office/drawing/2010/main" val="0"/>
-              </a:ext>
-            </a:extLst>
-          </a:blip>
-          <a:stretch>
-            <a:fillRect/>
-          </a:stretch>
-        </p:blipFill>
-        <p:spPr>
-          <a:xfrm>
-            <a:off x="648601" y="900702"/>
-            <a:ext cx="2286346" cy="1708744"/>
-          </a:xfrm>
-          <a:prstGeom prst="rect">
-            <a:avLst/>
-          </a:prstGeom>
-        </p:spPr>
-      </p:pic>
-      <p:pic>
-        <p:nvPicPr>
-          <p:cNvPr id="5" name="Grafik 4" descr="Ein Bild, das Diagramm enthält.&#10;&#10;Automatisch generierte Beschreibung">
-            <a:extLst>
-              <a:ext uri="{FF2B5EF4-FFF2-40B4-BE49-F238E27FC236}">
-                <a16:creationId xmlns:a16="http://schemas.microsoft.com/office/drawing/2014/main" id="{449A1A23-A6BF-90EC-FFFF-3473A138820F}"/>
-              </a:ext>
-            </a:extLst>
-          </p:cNvPr>
-          <p:cNvPicPr>
-            <a:picLocks noChangeAspect="1"/>
-          </p:cNvPicPr>
-          <p:nvPr/>
-        </p:nvPicPr>
-        <p:blipFill>
-          <a:blip r:embed="rId3">
-            <a:extLst>
-              <a:ext uri="{28A0092B-C50C-407E-A947-70E740481C1C}">
-                <a14:useLocalDpi xmlns:a14="http://schemas.microsoft.com/office/drawing/2010/main" val="0"/>
-              </a:ext>
-            </a:extLst>
-          </a:blip>
-          <a:stretch>
-            <a:fillRect/>
-          </a:stretch>
-        </p:blipFill>
-        <p:spPr>
-          <a:xfrm>
-            <a:off x="3119759" y="931628"/>
-            <a:ext cx="2322448" cy="1708744"/>
-          </a:xfrm>
-          <a:prstGeom prst="rect">
-            <a:avLst/>
-          </a:prstGeom>
-        </p:spPr>
-      </p:pic>
-      <p:pic>
-        <p:nvPicPr>
-          <p:cNvPr id="6" name="Grafik 5" descr="Ein Bild, das Diagramm enthält.&#10;&#10;Automatisch generierte Beschreibung">
-            <a:extLst>
-              <a:ext uri="{FF2B5EF4-FFF2-40B4-BE49-F238E27FC236}">
-                <a16:creationId xmlns:a16="http://schemas.microsoft.com/office/drawing/2014/main" id="{51343E4C-25B9-EC2D-0DE5-BE81D4F08DE4}"/>
-              </a:ext>
-            </a:extLst>
-          </p:cNvPr>
-          <p:cNvPicPr>
-            <a:picLocks noChangeAspect="1"/>
-          </p:cNvPicPr>
-          <p:nvPr/>
-        </p:nvPicPr>
-        <p:blipFill>
-          <a:blip r:embed="rId4">
-            <a:extLst>
-              <a:ext uri="{28A0092B-C50C-407E-A947-70E740481C1C}">
-                <a14:useLocalDpi xmlns:a14="http://schemas.microsoft.com/office/drawing/2010/main" val="0"/>
-              </a:ext>
-            </a:extLst>
-          </a:blip>
-          <a:stretch>
-            <a:fillRect/>
-          </a:stretch>
-        </p:blipFill>
-        <p:spPr>
-          <a:xfrm>
-            <a:off x="5783851" y="870616"/>
-            <a:ext cx="2609505" cy="1739670"/>
-          </a:xfrm>
-          <a:prstGeom prst="rect">
-            <a:avLst/>
-          </a:prstGeom>
-        </p:spPr>
-      </p:pic>
-      <p:pic>
-        <p:nvPicPr>
-          <p:cNvPr id="7" name="Grafik 6" descr="Ein Bild, das Diagramm enthält.&#10;&#10;Automatisch generierte Beschreibung">
-            <a:extLst>
-              <a:ext uri="{FF2B5EF4-FFF2-40B4-BE49-F238E27FC236}">
-                <a16:creationId xmlns:a16="http://schemas.microsoft.com/office/drawing/2014/main" id="{FA26AF34-198E-9D65-FCB1-F1C56206F899}"/>
-              </a:ext>
-            </a:extLst>
-          </p:cNvPr>
-          <p:cNvPicPr>
-            <a:picLocks noChangeAspect="1"/>
-          </p:cNvPicPr>
-          <p:nvPr/>
-        </p:nvPicPr>
-        <p:blipFill>
-          <a:blip r:embed="rId5">
-            <a:extLst>
-              <a:ext uri="{28A0092B-C50C-407E-A947-70E740481C1C}">
-                <a14:useLocalDpi xmlns:a14="http://schemas.microsoft.com/office/drawing/2010/main" val="0"/>
-              </a:ext>
-            </a:extLst>
-          </a:blip>
-          <a:stretch>
-            <a:fillRect/>
-          </a:stretch>
-        </p:blipFill>
-        <p:spPr>
-          <a:xfrm>
-            <a:off x="8463997" y="3210433"/>
-            <a:ext cx="2572559" cy="1715039"/>
-          </a:xfrm>
-          <a:prstGeom prst="rect">
-            <a:avLst/>
-          </a:prstGeom>
-        </p:spPr>
-      </p:pic>
-      <p:pic>
-        <p:nvPicPr>
-          <p:cNvPr id="8" name="Grafik 7" descr="Ein Bild, das Diagramm enthält.&#10;&#10;Automatisch generierte Beschreibung">
-            <a:extLst>
-              <a:ext uri="{FF2B5EF4-FFF2-40B4-BE49-F238E27FC236}">
-                <a16:creationId xmlns:a16="http://schemas.microsoft.com/office/drawing/2014/main" id="{066F9753-5301-EDFB-5582-FFE18B6299B1}"/>
-              </a:ext>
-            </a:extLst>
-          </p:cNvPr>
-          <p:cNvPicPr>
-            <a:picLocks noChangeAspect="1"/>
-          </p:cNvPicPr>
-          <p:nvPr/>
-        </p:nvPicPr>
-        <p:blipFill>
-          <a:blip r:embed="rId6">
-            <a:extLst>
-              <a:ext uri="{28A0092B-C50C-407E-A947-70E740481C1C}">
-                <a14:useLocalDpi xmlns:a14="http://schemas.microsoft.com/office/drawing/2010/main" val="0"/>
-              </a:ext>
-            </a:extLst>
-          </a:blip>
-          <a:stretch>
-            <a:fillRect/>
-          </a:stretch>
-        </p:blipFill>
-        <p:spPr>
-          <a:xfrm>
-            <a:off x="649762" y="3254419"/>
-            <a:ext cx="2322449" cy="1691219"/>
-          </a:xfrm>
-          <a:prstGeom prst="rect">
-            <a:avLst/>
-          </a:prstGeom>
-        </p:spPr>
-      </p:pic>
-      <p:pic>
-        <p:nvPicPr>
-          <p:cNvPr id="9" name="Grafik 8" descr="Ein Bild, das Diagramm enthält.&#10;&#10;Automatisch generierte Beschreibung">
-            <a:extLst>
-              <a:ext uri="{FF2B5EF4-FFF2-40B4-BE49-F238E27FC236}">
-                <a16:creationId xmlns:a16="http://schemas.microsoft.com/office/drawing/2014/main" id="{4A27043A-A29F-467C-377F-FE880B30C19D}"/>
-              </a:ext>
-            </a:extLst>
-          </p:cNvPr>
-          <p:cNvPicPr>
-            <a:picLocks noChangeAspect="1"/>
-          </p:cNvPicPr>
-          <p:nvPr/>
-        </p:nvPicPr>
-        <p:blipFill>
-          <a:blip r:embed="rId7">
-            <a:extLst>
-              <a:ext uri="{28A0092B-C50C-407E-A947-70E740481C1C}">
-                <a14:useLocalDpi xmlns:a14="http://schemas.microsoft.com/office/drawing/2010/main" val="0"/>
-              </a:ext>
-            </a:extLst>
-          </a:blip>
-          <a:stretch>
-            <a:fillRect/>
-          </a:stretch>
-        </p:blipFill>
-        <p:spPr>
-          <a:xfrm>
-            <a:off x="3179308" y="3254419"/>
-            <a:ext cx="2262899" cy="1691219"/>
-          </a:xfrm>
-          <a:prstGeom prst="rect">
-            <a:avLst/>
-          </a:prstGeom>
-        </p:spPr>
-      </p:pic>
-      <p:pic>
-        <p:nvPicPr>
-          <p:cNvPr id="10" name="Grafik 9" descr="Ein Bild, das Diagramm enthält.&#10;&#10;Automatisch generierte Beschreibung">
-            <a:extLst>
-              <a:ext uri="{FF2B5EF4-FFF2-40B4-BE49-F238E27FC236}">
-                <a16:creationId xmlns:a16="http://schemas.microsoft.com/office/drawing/2014/main" id="{927A4CE5-C77E-125E-ABCE-9D046490BA58}"/>
-              </a:ext>
-            </a:extLst>
-          </p:cNvPr>
-          <p:cNvPicPr>
-            <a:picLocks noChangeAspect="1"/>
-          </p:cNvPicPr>
-          <p:nvPr/>
-        </p:nvPicPr>
-        <p:blipFill>
-          <a:blip r:embed="rId8">
-            <a:extLst>
-              <a:ext uri="{28A0092B-C50C-407E-A947-70E740481C1C}">
-                <a14:useLocalDpi xmlns:a14="http://schemas.microsoft.com/office/drawing/2010/main" val="0"/>
-              </a:ext>
-            </a:extLst>
-          </a:blip>
-          <a:stretch>
-            <a:fillRect/>
-          </a:stretch>
-        </p:blipFill>
-        <p:spPr>
-          <a:xfrm>
-            <a:off x="5683802" y="3254419"/>
-            <a:ext cx="2322449" cy="1691219"/>
-          </a:xfrm>
-          <a:prstGeom prst="rect">
-            <a:avLst/>
-          </a:prstGeom>
-        </p:spPr>
-      </p:pic>
-      <p:sp>
-        <p:nvSpPr>
-          <p:cNvPr id="11" name="Textfeld 10">
-            <a:extLst>
-              <a:ext uri="{FF2B5EF4-FFF2-40B4-BE49-F238E27FC236}">
-                <a16:creationId xmlns:a16="http://schemas.microsoft.com/office/drawing/2014/main" id="{BD748C1D-6D2A-3661-26EB-14A93F919862}"/>
+      <p:sp>
+        <p:nvSpPr>
+          <p:cNvPr id="4" name="Textfeld 3">
+            <a:extLst>
+              <a:ext uri="{FF2B5EF4-FFF2-40B4-BE49-F238E27FC236}">
+                <a16:creationId xmlns:a16="http://schemas.microsoft.com/office/drawing/2014/main" id="{DF06D156-DEFA-4BFB-C5A7-BF539C181E3D}"/>
               </a:ext>
             </a:extLst>
           </p:cNvPr>
@@ -6694,335 +7896,8 @@
         </p:nvSpPr>
         <p:spPr>
           <a:xfrm>
-            <a:off x="656448" y="5351218"/>
-            <a:ext cx="4464977" cy="1446550"/>
-          </a:xfrm>
-          <a:prstGeom prst="rect">
-            <a:avLst/>
-          </a:prstGeom>
-          <a:noFill/>
-        </p:spPr>
-        <p:txBody>
-          <a:bodyPr wrap="square">
-            <a:spAutoFit/>
-          </a:bodyPr>
-          <a:lstStyle/>
-          <a:p>
-            <a:r>
-              <a:rPr lang="de-DE" sz="1400" dirty="0" err="1"/>
-              <a:t>notebook</a:t>
-            </a:r>
-            <a:r>
-              <a:rPr lang="de-DE" sz="1400" dirty="0"/>
-              <a:t>: </a:t>
-            </a:r>
-            <a:r>
-              <a:rPr lang="de-DE" sz="1400" dirty="0" err="1"/>
-              <a:t>gating</a:t>
-            </a:r>
-            <a:r>
-              <a:rPr lang="de-DE" sz="1400" dirty="0"/>
-              <a:t>/Paper/</a:t>
-            </a:r>
-            <a:r>
-              <a:rPr lang="de-DE" sz="1400" dirty="0" err="1"/>
-              <a:t>covid</a:t>
-            </a:r>
-            <a:r>
-              <a:rPr lang="de-DE" sz="1400" dirty="0"/>
-              <a:t>/01_get_data.ipynb</a:t>
-            </a:r>
-          </a:p>
-          <a:p>
-            <a:r>
-              <a:rPr lang="de-DE" sz="1400" dirty="0" err="1"/>
-              <a:t>notebook</a:t>
-            </a:r>
-            <a:r>
-              <a:rPr lang="de-DE" sz="1400" dirty="0"/>
-              <a:t>: gating/Paper/</a:t>
-            </a:r>
-            <a:r>
-              <a:rPr lang="de-DE" sz="1400" dirty="0" err="1"/>
-              <a:t>covid</a:t>
-            </a:r>
-            <a:r>
-              <a:rPr lang="de-DE" sz="1400" dirty="0"/>
-              <a:t>/02_run_gating.ipynb</a:t>
-            </a:r>
-          </a:p>
-          <a:p>
-            <a:r>
-              <a:rPr lang="de-DE" sz="1400" dirty="0" err="1"/>
-              <a:t>results</a:t>
-            </a:r>
-            <a:r>
-              <a:rPr lang="de-DE" sz="1400" dirty="0"/>
-              <a:t>: </a:t>
-            </a:r>
-            <a:r>
-              <a:rPr lang="de-DE" sz="1400" dirty="0" err="1"/>
-              <a:t>gating</a:t>
-            </a:r>
-            <a:r>
-              <a:rPr lang="de-DE" sz="1400" dirty="0"/>
-              <a:t>/Paper/</a:t>
-            </a:r>
-            <a:r>
-              <a:rPr lang="de-DE" sz="1400" dirty="0" err="1"/>
-              <a:t>results</a:t>
-            </a:r>
-            <a:r>
-              <a:rPr lang="de-DE" sz="1400" dirty="0"/>
-              <a:t>/02_cluster_C&lt;8|26&gt;</a:t>
-            </a:r>
-          </a:p>
-          <a:p>
-            <a:r>
-              <a:rPr lang="de-DE" sz="1400" dirty="0"/>
-              <a:t>Original in </a:t>
-            </a:r>
-            <a:r>
-              <a:rPr lang="de-DE" sz="1400" dirty="0" err="1"/>
-              <a:t>cluster</a:t>
-            </a:r>
-            <a:r>
-              <a:rPr lang="de-DE" sz="1400" dirty="0"/>
-              <a:t>: </a:t>
-            </a:r>
-            <a:r>
-              <a:rPr lang="de-DE" sz="1400" dirty="0" err="1">
-                <a:solidFill>
-                  <a:prstClr val="black"/>
-                </a:solidFill>
-                <a:latin typeface="Lucida Console" panose="020B0609040504020204" pitchFamily="49" charset="0"/>
-              </a:rPr>
-              <a:t>projects</a:t>
-            </a:r>
-            <a:r>
-              <a:rPr lang="de-DE" sz="1400" dirty="0">
-                <a:solidFill>
-                  <a:prstClr val="black"/>
-                </a:solidFill>
-                <a:latin typeface="Lucida Console" panose="020B0609040504020204" pitchFamily="49" charset="0"/>
-              </a:rPr>
-              <a:t>/</a:t>
-            </a:r>
-            <a:r>
-              <a:rPr lang="de-DE" sz="1400" dirty="0" err="1">
-                <a:solidFill>
-                  <a:prstClr val="black"/>
-                </a:solidFill>
-                <a:latin typeface="Lucida Console" panose="020B0609040504020204" pitchFamily="49" charset="0"/>
-              </a:rPr>
-              <a:t>gating</a:t>
-            </a:r>
-            <a:r>
-              <a:rPr lang="de-DE" sz="1400" dirty="0">
-                <a:solidFill>
-                  <a:prstClr val="black"/>
-                </a:solidFill>
-                <a:latin typeface="Lucida Console" panose="020B0609040504020204" pitchFamily="49" charset="0"/>
-              </a:rPr>
-              <a:t>/</a:t>
-            </a:r>
-            <a:r>
-              <a:rPr lang="de-DE" sz="1400" dirty="0" err="1">
-                <a:solidFill>
-                  <a:prstClr val="black"/>
-                </a:solidFill>
-                <a:latin typeface="Lucida Console" panose="020B0609040504020204" pitchFamily="49" charset="0"/>
-              </a:rPr>
-              <a:t>data</a:t>
-            </a:r>
-            <a:r>
-              <a:rPr lang="de-DE" sz="1400" dirty="0">
-                <a:solidFill>
-                  <a:prstClr val="black"/>
-                </a:solidFill>
-                <a:latin typeface="Lucida Console" panose="020B0609040504020204" pitchFamily="49" charset="0"/>
-              </a:rPr>
-              <a:t>/</a:t>
-            </a:r>
-            <a:r>
-              <a:rPr lang="de-DE" sz="1400" dirty="0" err="1">
-                <a:solidFill>
-                  <a:prstClr val="black"/>
-                </a:solidFill>
-                <a:latin typeface="Lucida Console" panose="020B0609040504020204" pitchFamily="49" charset="0"/>
-              </a:rPr>
-              <a:t>covid</a:t>
-            </a:r>
-            <a:endParaRPr lang="de-DE" sz="1400" dirty="0">
-              <a:solidFill>
-                <a:prstClr val="black"/>
-              </a:solidFill>
-              <a:latin typeface="Lucida Console" panose="020B0609040504020204" pitchFamily="49" charset="0"/>
-            </a:endParaRPr>
-          </a:p>
-          <a:p>
-            <a:r>
-              <a:rPr lang="de-DE" sz="1400" dirty="0" err="1">
-                <a:solidFill>
-                  <a:prstClr val="black"/>
-                </a:solidFill>
-                <a:latin typeface="Lucida Console" panose="020B0609040504020204" pitchFamily="49" charset="0"/>
-              </a:rPr>
-              <a:t>subsampling</a:t>
-            </a:r>
-            <a:r>
-              <a:rPr lang="de-DE" sz="1400" dirty="0">
-                <a:solidFill>
-                  <a:prstClr val="black"/>
-                </a:solidFill>
-                <a:latin typeface="Lucida Console" panose="020B0609040504020204" pitchFamily="49" charset="0"/>
-              </a:rPr>
-              <a:t> </a:t>
-            </a:r>
-            <a:r>
-              <a:rPr lang="de-DE" sz="1400" dirty="0" err="1">
-                <a:solidFill>
-                  <a:prstClr val="black"/>
-                </a:solidFill>
-                <a:latin typeface="Lucida Console" panose="020B0609040504020204" pitchFamily="49" charset="0"/>
-              </a:rPr>
-              <a:t>factor</a:t>
-            </a:r>
-            <a:r>
-              <a:rPr lang="de-DE" sz="1400" dirty="0">
-                <a:solidFill>
-                  <a:prstClr val="black"/>
-                </a:solidFill>
-                <a:latin typeface="Lucida Console" panose="020B0609040504020204" pitchFamily="49" charset="0"/>
-              </a:rPr>
-              <a:t> 15</a:t>
-            </a:r>
-          </a:p>
-          <a:p>
-            <a:endParaRPr lang="de-DE" dirty="0"/>
-          </a:p>
-        </p:txBody>
-      </p:sp>
-      <p:sp>
-        <p:nvSpPr>
-          <p:cNvPr id="12" name="Rechteck 11">
-            <a:extLst>
-              <a:ext uri="{FF2B5EF4-FFF2-40B4-BE49-F238E27FC236}">
-                <a16:creationId xmlns:a16="http://schemas.microsoft.com/office/drawing/2014/main" id="{7C2A59A5-4B9E-11B3-0B64-88761F4A56FA}"/>
-              </a:ext>
-            </a:extLst>
-          </p:cNvPr>
-          <p:cNvSpPr/>
-          <p:nvPr/>
-        </p:nvSpPr>
-        <p:spPr>
-          <a:xfrm>
-            <a:off x="533728" y="745648"/>
-            <a:ext cx="8257071" cy="2044645"/>
-          </a:xfrm>
-          <a:prstGeom prst="rect">
-            <a:avLst/>
-          </a:prstGeom>
-          <a:noFill/>
-          <a:ln>
-            <a:solidFill>
-              <a:schemeClr val="tx1"/>
-            </a:solidFill>
-          </a:ln>
-        </p:spPr>
-        <p:style>
-          <a:lnRef idx="2">
-            <a:schemeClr val="accent1">
-              <a:shade val="50000"/>
-            </a:schemeClr>
-          </a:lnRef>
-          <a:fillRef idx="1">
-            <a:schemeClr val="accent1"/>
-          </a:fillRef>
-          <a:effectRef idx="0">
-            <a:schemeClr val="accent1"/>
-          </a:effectRef>
-          <a:fontRef idx="minor">
-            <a:schemeClr val="lt1"/>
-          </a:fontRef>
-        </p:style>
-        <p:txBody>
-          <a:bodyPr rtlCol="0" anchor="ctr"/>
-          <a:lstStyle/>
-          <a:p>
-            <a:pPr algn="ctr"/>
-            <a:endParaRPr lang="de-DE"/>
-          </a:p>
-        </p:txBody>
-      </p:sp>
-      <p:sp>
-        <p:nvSpPr>
-          <p:cNvPr id="13" name="Rechteck 12">
-            <a:extLst>
-              <a:ext uri="{FF2B5EF4-FFF2-40B4-BE49-F238E27FC236}">
-                <a16:creationId xmlns:a16="http://schemas.microsoft.com/office/drawing/2014/main" id="{7810935B-575D-4FC4-210C-5E1736A7633F}"/>
-              </a:ext>
-            </a:extLst>
-          </p:cNvPr>
-          <p:cNvSpPr/>
-          <p:nvPr/>
-        </p:nvSpPr>
-        <p:spPr>
-          <a:xfrm>
-            <a:off x="533727" y="3131722"/>
-            <a:ext cx="10458696" cy="1870008"/>
-          </a:xfrm>
-          <a:prstGeom prst="rect">
-            <a:avLst/>
-          </a:prstGeom>
-          <a:noFill/>
-          <a:ln>
-            <a:solidFill>
-              <a:schemeClr val="tx1"/>
-            </a:solidFill>
-          </a:ln>
-        </p:spPr>
-        <p:style>
-          <a:lnRef idx="2">
-            <a:schemeClr val="accent1">
-              <a:shade val="50000"/>
-            </a:schemeClr>
-          </a:lnRef>
-          <a:fillRef idx="1">
-            <a:schemeClr val="accent1"/>
-          </a:fillRef>
-          <a:effectRef idx="0">
-            <a:schemeClr val="accent1"/>
-          </a:effectRef>
-          <a:fontRef idx="minor">
-            <a:schemeClr val="lt1"/>
-          </a:fontRef>
-        </p:style>
-        <p:txBody>
-          <a:bodyPr rtlCol="0" anchor="ctr"/>
-          <a:lstStyle/>
-          <a:p>
-            <a:pPr algn="ctr"/>
-            <a:endParaRPr lang="de-DE"/>
-          </a:p>
-        </p:txBody>
-      </p:sp>
-      <p:sp>
-        <p:nvSpPr>
-          <p:cNvPr id="14" name="Textfeld 13">
-            <a:extLst>
-              <a:ext uri="{FF2B5EF4-FFF2-40B4-BE49-F238E27FC236}">
-                <a16:creationId xmlns:a16="http://schemas.microsoft.com/office/drawing/2014/main" id="{0633E183-56F7-023C-9858-D3C2F06A6167}"/>
-              </a:ext>
-            </a:extLst>
-          </p:cNvPr>
-          <p:cNvSpPr txBox="1"/>
-          <p:nvPr/>
-        </p:nvSpPr>
-        <p:spPr>
-          <a:xfrm>
-            <a:off x="8905672" y="1636501"/>
-            <a:ext cx="757422" cy="369332"/>
+            <a:off x="3256280" y="1935480"/>
+            <a:ext cx="7254240" cy="2646878"/>
           </a:xfrm>
           <a:prstGeom prst="rect">
             <a:avLst/>
@@ -7036,91 +7911,17 @@
           <a:lstStyle/>
           <a:p>
             <a:r>
-              <a:rPr lang="de-DE" dirty="0"/>
-              <a:t>C8</a:t>
-            </a:r>
-          </a:p>
-        </p:txBody>
-      </p:sp>
-      <p:sp>
-        <p:nvSpPr>
-          <p:cNvPr id="15" name="Textfeld 14">
-            <a:extLst>
-              <a:ext uri="{FF2B5EF4-FFF2-40B4-BE49-F238E27FC236}">
-                <a16:creationId xmlns:a16="http://schemas.microsoft.com/office/drawing/2014/main" id="{4F260433-F278-818F-29D4-60DFAFD85DC3}"/>
-              </a:ext>
-            </a:extLst>
-          </p:cNvPr>
-          <p:cNvSpPr txBox="1"/>
-          <p:nvPr/>
-        </p:nvSpPr>
-        <p:spPr>
-          <a:xfrm>
-            <a:off x="11071458" y="3963054"/>
-            <a:ext cx="757422" cy="369332"/>
-          </a:xfrm>
-          <a:prstGeom prst="rect">
-            <a:avLst/>
-          </a:prstGeom>
-          <a:noFill/>
-        </p:spPr>
-        <p:txBody>
-          <a:bodyPr wrap="square" rtlCol="0">
-            <a:spAutoFit/>
-          </a:bodyPr>
-          <a:lstStyle/>
-          <a:p>
-            <a:r>
-              <a:rPr lang="de-DE" dirty="0"/>
-              <a:t>C26</a:t>
-            </a:r>
-          </a:p>
-        </p:txBody>
-      </p:sp>
-      <p:sp>
-        <p:nvSpPr>
-          <p:cNvPr id="16" name="Textfeld 15">
-            <a:extLst>
-              <a:ext uri="{FF2B5EF4-FFF2-40B4-BE49-F238E27FC236}">
-                <a16:creationId xmlns:a16="http://schemas.microsoft.com/office/drawing/2014/main" id="{CFEC176D-8C80-A21F-9FE8-9B65D81E423E}"/>
-              </a:ext>
-            </a:extLst>
-          </p:cNvPr>
-          <p:cNvSpPr txBox="1"/>
-          <p:nvPr/>
-        </p:nvSpPr>
-        <p:spPr>
-          <a:xfrm>
-            <a:off x="4700766" y="212808"/>
-            <a:ext cx="2393923" cy="369332"/>
-          </a:xfrm>
-          <a:prstGeom prst="rect">
-            <a:avLst/>
-          </a:prstGeom>
-          <a:noFill/>
-        </p:spPr>
-        <p:txBody>
-          <a:bodyPr wrap="square" rtlCol="0">
-            <a:spAutoFit/>
-          </a:bodyPr>
-          <a:lstStyle/>
-          <a:p>
-            <a:r>
-              <a:rPr lang="de-DE" dirty="0"/>
-              <a:t>Georg </a:t>
-            </a:r>
-            <a:r>
-              <a:rPr lang="de-DE" dirty="0" err="1"/>
+              <a:rPr lang="de-DE" sz="16600" dirty="0" err="1"/>
               <a:t>CyTOF</a:t>
             </a:r>
-            <a:endParaRPr lang="de-DE" dirty="0"/>
+            <a:endParaRPr lang="de-DE" sz="16600" dirty="0"/>
           </a:p>
         </p:txBody>
       </p:sp>
     </p:spTree>
     <p:extLst>
       <p:ext uri="{BB962C8B-B14F-4D97-AF65-F5344CB8AC3E}">
-        <p14:creationId xmlns:p14="http://schemas.microsoft.com/office/powerpoint/2010/main" val="2208555671"/>
+        <p14:creationId xmlns:p14="http://schemas.microsoft.com/office/powerpoint/2010/main" val="1144258984"/>
       </p:ext>
     </p:extLst>
   </p:cSld>
